--- a/fastapi-backend/pres/template.pptx
+++ b/fastapi-backend/pres/template.pptx
@@ -2,13 +2,15 @@
 <file path=ppt/presentation.xml><?xml version="1.0" encoding="utf-8"?>
 <p:presentation xmlns:a="http://schemas.openxmlformats.org/drawingml/2006/main" xmlns:r="http://schemas.openxmlformats.org/officeDocument/2006/relationships" xmlns:p="http://schemas.openxmlformats.org/presentationml/2006/main" saveSubsetFonts="1" autoCompressPictures="0">
   <p:sldMasterIdLst>
-    <p:sldMasterId id="2147483678" r:id="rId1"/>
+    <p:sldMasterId id="2147483690" r:id="rId1"/>
   </p:sldMasterIdLst>
   <p:sldIdLst>
     <p:sldId id="256" r:id="rId2"/>
     <p:sldId id="258" r:id="rId3"/>
     <p:sldId id="259" r:id="rId4"/>
-    <p:sldId id="260" r:id="rId5"/>
+    <p:sldId id="262" r:id="rId5"/>
+    <p:sldId id="260" r:id="rId6"/>
+    <p:sldId id="261" r:id="rId7"/>
   </p:sldIdLst>
   <p:sldSz cx="12192000" cy="6858000"/>
   <p:notesSz cx="6858000" cy="9144000"/>
@@ -284,7 +286,7 @@
           <a:p>
             <a:fld id="{F844397A-660C-F141-84AA-96115342A5BD}" type="datetimeFigureOut">
               <a:rPr lang="en-GB" smtClean="0"/>
-              <a:t>27/07/2024</a:t>
+              <a:t>13/08/2024</a:t>
             </a:fld>
             <a:endParaRPr lang="en-GB"/>
           </a:p>
@@ -490,7 +492,7 @@
     </p:spTree>
     <p:extLst>
       <p:ext uri="{BB962C8B-B14F-4D97-AF65-F5344CB8AC3E}">
-        <p14:creationId xmlns:p14="http://schemas.microsoft.com/office/powerpoint/2010/main" val="3342352818"/>
+        <p14:creationId xmlns:p14="http://schemas.microsoft.com/office/powerpoint/2010/main" val="2463118986"/>
       </p:ext>
     </p:extLst>
   </p:cSld>
@@ -614,7 +616,7 @@
           <a:p>
             <a:fld id="{F844397A-660C-F141-84AA-96115342A5BD}" type="datetimeFigureOut">
               <a:rPr lang="en-GB" smtClean="0"/>
-              <a:t>27/07/2024</a:t>
+              <a:t>13/08/2024</a:t>
             </a:fld>
             <a:endParaRPr lang="en-GB"/>
           </a:p>
@@ -665,7 +667,7 @@
     </p:spTree>
     <p:extLst>
       <p:ext uri="{BB962C8B-B14F-4D97-AF65-F5344CB8AC3E}">
-        <p14:creationId xmlns:p14="http://schemas.microsoft.com/office/powerpoint/2010/main" val="2346007455"/>
+        <p14:creationId xmlns:p14="http://schemas.microsoft.com/office/powerpoint/2010/main" val="413812388"/>
       </p:ext>
     </p:extLst>
   </p:cSld>
@@ -794,7 +796,7 @@
           <a:p>
             <a:fld id="{F844397A-660C-F141-84AA-96115342A5BD}" type="datetimeFigureOut">
               <a:rPr lang="en-GB" smtClean="0"/>
-              <a:t>27/07/2024</a:t>
+              <a:t>13/08/2024</a:t>
             </a:fld>
             <a:endParaRPr lang="en-GB"/>
           </a:p>
@@ -845,7 +847,7 @@
     </p:spTree>
     <p:extLst>
       <p:ext uri="{BB962C8B-B14F-4D97-AF65-F5344CB8AC3E}">
-        <p14:creationId xmlns:p14="http://schemas.microsoft.com/office/powerpoint/2010/main" val="2341290912"/>
+        <p14:creationId xmlns:p14="http://schemas.microsoft.com/office/powerpoint/2010/main" val="1884774695"/>
       </p:ext>
     </p:extLst>
   </p:cSld>
@@ -964,7 +966,7 @@
           <a:p>
             <a:fld id="{F844397A-660C-F141-84AA-96115342A5BD}" type="datetimeFigureOut">
               <a:rPr lang="en-GB" smtClean="0"/>
-              <a:t>27/07/2024</a:t>
+              <a:t>13/08/2024</a:t>
             </a:fld>
             <a:endParaRPr lang="en-GB"/>
           </a:p>
@@ -1015,7 +1017,7 @@
     </p:spTree>
     <p:extLst>
       <p:ext uri="{BB962C8B-B14F-4D97-AF65-F5344CB8AC3E}">
-        <p14:creationId xmlns:p14="http://schemas.microsoft.com/office/powerpoint/2010/main" val="2436679784"/>
+        <p14:creationId xmlns:p14="http://schemas.microsoft.com/office/powerpoint/2010/main" val="3587466141"/>
       </p:ext>
     </p:extLst>
   </p:cSld>
@@ -1241,7 +1243,7 @@
           <a:p>
             <a:fld id="{F844397A-660C-F141-84AA-96115342A5BD}" type="datetimeFigureOut">
               <a:rPr lang="en-GB" smtClean="0"/>
-              <a:t>27/07/2024</a:t>
+              <a:t>13/08/2024</a:t>
             </a:fld>
             <a:endParaRPr lang="en-GB"/>
           </a:p>
@@ -1374,7 +1376,7 @@
     </p:spTree>
     <p:extLst>
       <p:ext uri="{BB962C8B-B14F-4D97-AF65-F5344CB8AC3E}">
-        <p14:creationId xmlns:p14="http://schemas.microsoft.com/office/powerpoint/2010/main" val="24823503"/>
+        <p14:creationId xmlns:p14="http://schemas.microsoft.com/office/powerpoint/2010/main" val="321820526"/>
       </p:ext>
     </p:extLst>
   </p:cSld>
@@ -1635,7 +1637,7 @@
           <a:p>
             <a:fld id="{F844397A-660C-F141-84AA-96115342A5BD}" type="datetimeFigureOut">
               <a:rPr lang="en-GB" smtClean="0"/>
-              <a:t>27/07/2024</a:t>
+              <a:t>13/08/2024</a:t>
             </a:fld>
             <a:endParaRPr lang="en-GB"/>
           </a:p>
@@ -1686,7 +1688,7 @@
     </p:spTree>
     <p:extLst>
       <p:ext uri="{BB962C8B-B14F-4D97-AF65-F5344CB8AC3E}">
-        <p14:creationId xmlns:p14="http://schemas.microsoft.com/office/powerpoint/2010/main" val="3615912301"/>
+        <p14:creationId xmlns:p14="http://schemas.microsoft.com/office/powerpoint/2010/main" val="771633928"/>
       </p:ext>
     </p:extLst>
   </p:cSld>
@@ -2112,7 +2114,7 @@
           <a:p>
             <a:fld id="{F844397A-660C-F141-84AA-96115342A5BD}" type="datetimeFigureOut">
               <a:rPr lang="en-GB" smtClean="0"/>
-              <a:t>27/07/2024</a:t>
+              <a:t>13/08/2024</a:t>
             </a:fld>
             <a:endParaRPr lang="en-GB"/>
           </a:p>
@@ -2163,7 +2165,7 @@
     </p:spTree>
     <p:extLst>
       <p:ext uri="{BB962C8B-B14F-4D97-AF65-F5344CB8AC3E}">
-        <p14:creationId xmlns:p14="http://schemas.microsoft.com/office/powerpoint/2010/main" val="252500424"/>
+        <p14:creationId xmlns:p14="http://schemas.microsoft.com/office/powerpoint/2010/main" val="1625463905"/>
       </p:ext>
     </p:extLst>
   </p:cSld>
@@ -2230,7 +2232,7 @@
           <a:p>
             <a:fld id="{F844397A-660C-F141-84AA-96115342A5BD}" type="datetimeFigureOut">
               <a:rPr lang="en-GB" smtClean="0"/>
-              <a:t>27/07/2024</a:t>
+              <a:t>13/08/2024</a:t>
             </a:fld>
             <a:endParaRPr lang="en-GB"/>
           </a:p>
@@ -2281,7 +2283,7 @@
     </p:spTree>
     <p:extLst>
       <p:ext uri="{BB962C8B-B14F-4D97-AF65-F5344CB8AC3E}">
-        <p14:creationId xmlns:p14="http://schemas.microsoft.com/office/powerpoint/2010/main" val="4122755477"/>
+        <p14:creationId xmlns:p14="http://schemas.microsoft.com/office/powerpoint/2010/main" val="273032144"/>
       </p:ext>
     </p:extLst>
   </p:cSld>
@@ -2325,7 +2327,7 @@
           <a:p>
             <a:fld id="{F844397A-660C-F141-84AA-96115342A5BD}" type="datetimeFigureOut">
               <a:rPr lang="en-GB" smtClean="0"/>
-              <a:t>27/07/2024</a:t>
+              <a:t>13/08/2024</a:t>
             </a:fld>
             <a:endParaRPr lang="en-GB"/>
           </a:p>
@@ -2376,7 +2378,7 @@
     </p:spTree>
     <p:extLst>
       <p:ext uri="{BB962C8B-B14F-4D97-AF65-F5344CB8AC3E}">
-        <p14:creationId xmlns:p14="http://schemas.microsoft.com/office/powerpoint/2010/main" val="727340538"/>
+        <p14:creationId xmlns:p14="http://schemas.microsoft.com/office/powerpoint/2010/main" val="3339428694"/>
       </p:ext>
     </p:extLst>
   </p:cSld>
@@ -2671,7 +2673,7 @@
           <a:p>
             <a:fld id="{F844397A-660C-F141-84AA-96115342A5BD}" type="datetimeFigureOut">
               <a:rPr lang="en-GB" smtClean="0"/>
-              <a:t>27/07/2024</a:t>
+              <a:t>13/08/2024</a:t>
             </a:fld>
             <a:endParaRPr lang="en-GB"/>
           </a:p>
@@ -2786,7 +2788,7 @@
     </p:spTree>
     <p:extLst>
       <p:ext uri="{BB962C8B-B14F-4D97-AF65-F5344CB8AC3E}">
-        <p14:creationId xmlns:p14="http://schemas.microsoft.com/office/powerpoint/2010/main" val="299264152"/>
+        <p14:creationId xmlns:p14="http://schemas.microsoft.com/office/powerpoint/2010/main" val="1478042860"/>
       </p:ext>
     </p:extLst>
   </p:cSld>
@@ -3059,7 +3061,7 @@
           <a:p>
             <a:fld id="{F844397A-660C-F141-84AA-96115342A5BD}" type="datetimeFigureOut">
               <a:rPr lang="en-GB" smtClean="0"/>
-              <a:t>27/07/2024</a:t>
+              <a:t>13/08/2024</a:t>
             </a:fld>
             <a:endParaRPr lang="en-GB"/>
           </a:p>
@@ -3174,7 +3176,7 @@
     </p:spTree>
     <p:extLst>
       <p:ext uri="{BB962C8B-B14F-4D97-AF65-F5344CB8AC3E}">
-        <p14:creationId xmlns:p14="http://schemas.microsoft.com/office/powerpoint/2010/main" val="4132159670"/>
+        <p14:creationId xmlns:p14="http://schemas.microsoft.com/office/powerpoint/2010/main" val="3102967764"/>
       </p:ext>
     </p:extLst>
   </p:cSld>
@@ -3337,7 +3339,7 @@
           <a:p>
             <a:fld id="{F844397A-660C-F141-84AA-96115342A5BD}" type="datetimeFigureOut">
               <a:rPr lang="en-GB" smtClean="0"/>
-              <a:t>27/07/2024</a:t>
+              <a:t>13/08/2024</a:t>
             </a:fld>
             <a:endParaRPr lang="en-GB"/>
           </a:p>
@@ -3458,23 +3460,23 @@
     </p:spTree>
     <p:extLst>
       <p:ext uri="{BB962C8B-B14F-4D97-AF65-F5344CB8AC3E}">
-        <p14:creationId xmlns:p14="http://schemas.microsoft.com/office/powerpoint/2010/main" val="1934874274"/>
+        <p14:creationId xmlns:p14="http://schemas.microsoft.com/office/powerpoint/2010/main" val="2847775666"/>
       </p:ext>
     </p:extLst>
   </p:cSld>
   <p:clrMap bg1="lt1" tx1="dk1" bg2="lt2" tx2="dk2" accent1="accent1" accent2="accent2" accent3="accent3" accent4="accent4" accent5="accent5" accent6="accent6" hlink="hlink" folHlink="folHlink"/>
   <p:sldLayoutIdLst>
-    <p:sldLayoutId id="2147483679" r:id="rId1"/>
-    <p:sldLayoutId id="2147483680" r:id="rId2"/>
-    <p:sldLayoutId id="2147483681" r:id="rId3"/>
-    <p:sldLayoutId id="2147483682" r:id="rId4"/>
-    <p:sldLayoutId id="2147483683" r:id="rId5"/>
-    <p:sldLayoutId id="2147483684" r:id="rId6"/>
-    <p:sldLayoutId id="2147483685" r:id="rId7"/>
-    <p:sldLayoutId id="2147483686" r:id="rId8"/>
-    <p:sldLayoutId id="2147483687" r:id="rId9"/>
-    <p:sldLayoutId id="2147483688" r:id="rId10"/>
-    <p:sldLayoutId id="2147483689" r:id="rId11"/>
+    <p:sldLayoutId id="2147483691" r:id="rId1"/>
+    <p:sldLayoutId id="2147483692" r:id="rId2"/>
+    <p:sldLayoutId id="2147483693" r:id="rId3"/>
+    <p:sldLayoutId id="2147483694" r:id="rId4"/>
+    <p:sldLayoutId id="2147483695" r:id="rId5"/>
+    <p:sldLayoutId id="2147483696" r:id="rId6"/>
+    <p:sldLayoutId id="2147483697" r:id="rId7"/>
+    <p:sldLayoutId id="2147483698" r:id="rId8"/>
+    <p:sldLayoutId id="2147483699" r:id="rId9"/>
+    <p:sldLayoutId id="2147483700" r:id="rId10"/>
+    <p:sldLayoutId id="2147483701" r:id="rId11"/>
   </p:sldLayoutIdLst>
   <p:txStyles>
     <p:titleStyle>
@@ -4129,6 +4131,104 @@
           <a:p>
             <a:r>
               <a:rPr lang="en-GB" sz="3600" dirty="0"/>
+              <a:t>Cash Flow Analysis</a:t>
+            </a:r>
+          </a:p>
+        </p:txBody>
+      </p:sp>
+      <p:sp>
+        <p:nvSpPr>
+          <p:cNvPr id="3" name="Content Placeholder 2">
+            <a:extLst>
+              <a:ext uri="{FF2B5EF4-FFF2-40B4-BE49-F238E27FC236}">
+                <a16:creationId xmlns:a16="http://schemas.microsoft.com/office/drawing/2014/main" id="{0DD905F7-BEBA-669E-3422-998BEEB4C814}"/>
+              </a:ext>
+            </a:extLst>
+          </p:cNvPr>
+          <p:cNvSpPr>
+            <a:spLocks noGrp="1"/>
+          </p:cNvSpPr>
+          <p:nvPr>
+            <p:ph sz="half" idx="1"/>
+          </p:nvPr>
+        </p:nvSpPr>
+        <p:spPr>
+          <a:xfrm>
+            <a:off x="1371600" y="1423687"/>
+            <a:ext cx="5153414" cy="4443714"/>
+          </a:xfrm>
+        </p:spPr>
+        <p:txBody>
+          <a:bodyPr>
+            <a:normAutofit/>
+          </a:bodyPr>
+          <a:lstStyle/>
+          <a:p>
+            <a:pPr marL="0" indent="0">
+              <a:buNone/>
+            </a:pPr>
+            <a:r>
+              <a:rPr lang="en-GB" sz="1200" dirty="0"/>
+              <a:t>cashflow</a:t>
+            </a:r>
+          </a:p>
+        </p:txBody>
+      </p:sp>
+    </p:spTree>
+    <p:extLst>
+      <p:ext uri="{BB962C8B-B14F-4D97-AF65-F5344CB8AC3E}">
+        <p14:creationId xmlns:p14="http://schemas.microsoft.com/office/powerpoint/2010/main" val="1344413630"/>
+      </p:ext>
+    </p:extLst>
+  </p:cSld>
+  <p:clrMapOvr>
+    <a:masterClrMapping/>
+  </p:clrMapOvr>
+</p:sld>
+</file>
+
+<file path=ppt/slides/slide5.xml><?xml version="1.0" encoding="utf-8"?>
+<p:sld xmlns:a="http://schemas.openxmlformats.org/drawingml/2006/main" xmlns:r="http://schemas.openxmlformats.org/officeDocument/2006/relationships" xmlns:p="http://schemas.openxmlformats.org/presentationml/2006/main">
+  <p:cSld>
+    <p:spTree>
+      <p:nvGrpSpPr>
+        <p:cNvPr id="1" name=""/>
+        <p:cNvGrpSpPr/>
+        <p:nvPr/>
+      </p:nvGrpSpPr>
+      <p:grpSpPr>
+        <a:xfrm>
+          <a:off x="0" y="0"/>
+          <a:ext cx="0" cy="0"/>
+          <a:chOff x="0" y="0"/>
+          <a:chExt cx="0" cy="0"/>
+        </a:xfrm>
+      </p:grpSpPr>
+      <p:sp>
+        <p:nvSpPr>
+          <p:cNvPr id="2" name="Title 1">
+            <a:extLst>
+              <a:ext uri="{FF2B5EF4-FFF2-40B4-BE49-F238E27FC236}">
+                <a16:creationId xmlns:a16="http://schemas.microsoft.com/office/drawing/2014/main" id="{61EB2C97-DCC1-C585-CAB9-10DCA4CA6E7B}"/>
+              </a:ext>
+            </a:extLst>
+          </p:cNvPr>
+          <p:cNvSpPr>
+            <a:spLocks noGrp="1"/>
+          </p:cNvSpPr>
+          <p:nvPr>
+            <p:ph type="title"/>
+          </p:nvPr>
+        </p:nvSpPr>
+        <p:spPr/>
+        <p:txBody>
+          <a:bodyPr>
+            <a:normAutofit/>
+          </a:bodyPr>
+          <a:lstStyle/>
+          <a:p>
+            <a:r>
+              <a:rPr lang="en-GB" sz="3600" dirty="0"/>
               <a:t>Other KPIs</a:t>
             </a:r>
           </a:p>
@@ -4186,21 +4286,131 @@
 </p:sld>
 </file>
 
+<file path=ppt/slides/slide6.xml><?xml version="1.0" encoding="utf-8"?>
+<p:sld xmlns:a="http://schemas.openxmlformats.org/drawingml/2006/main" xmlns:r="http://schemas.openxmlformats.org/officeDocument/2006/relationships" xmlns:p="http://schemas.openxmlformats.org/presentationml/2006/main">
+  <p:cSld>
+    <p:spTree>
+      <p:nvGrpSpPr>
+        <p:cNvPr id="1" name=""/>
+        <p:cNvGrpSpPr/>
+        <p:nvPr/>
+      </p:nvGrpSpPr>
+      <p:grpSpPr>
+        <a:xfrm>
+          <a:off x="0" y="0"/>
+          <a:ext cx="0" cy="0"/>
+          <a:chOff x="0" y="0"/>
+          <a:chExt cx="0" cy="0"/>
+        </a:xfrm>
+      </p:grpSpPr>
+      <p:sp>
+        <p:nvSpPr>
+          <p:cNvPr id="2" name="Title 1">
+            <a:extLst>
+              <a:ext uri="{FF2B5EF4-FFF2-40B4-BE49-F238E27FC236}">
+                <a16:creationId xmlns:a16="http://schemas.microsoft.com/office/drawing/2014/main" id="{448D3DF5-288C-853F-22A0-8A7639B8F447}"/>
+              </a:ext>
+            </a:extLst>
+          </p:cNvPr>
+          <p:cNvSpPr>
+            <a:spLocks noGrp="1"/>
+          </p:cNvSpPr>
+          <p:nvPr>
+            <p:ph type="title"/>
+          </p:nvPr>
+        </p:nvSpPr>
+        <p:spPr/>
+        <p:txBody>
+          <a:bodyPr>
+            <a:normAutofit/>
+          </a:bodyPr>
+          <a:lstStyle/>
+          <a:p>
+            <a:r>
+              <a:rPr lang="en-GB" sz="3600" dirty="0"/>
+              <a:t>KPI Plots</a:t>
+            </a:r>
+          </a:p>
+        </p:txBody>
+      </p:sp>
+      <p:sp>
+        <p:nvSpPr>
+          <p:cNvPr id="3" name="Content Placeholder 2">
+            <a:extLst>
+              <a:ext uri="{FF2B5EF4-FFF2-40B4-BE49-F238E27FC236}">
+                <a16:creationId xmlns:a16="http://schemas.microsoft.com/office/drawing/2014/main" id="{6F0ECF72-6BE1-CDD8-148C-8A4C17AB8E50}"/>
+              </a:ext>
+            </a:extLst>
+          </p:cNvPr>
+          <p:cNvSpPr>
+            <a:spLocks noGrp="1"/>
+          </p:cNvSpPr>
+          <p:nvPr>
+            <p:ph sz="half" idx="1"/>
+          </p:nvPr>
+        </p:nvSpPr>
+        <p:spPr/>
+        <p:txBody>
+          <a:bodyPr/>
+          <a:lstStyle/>
+          <a:p>
+            <a:endParaRPr lang="en-GB"/>
+          </a:p>
+        </p:txBody>
+      </p:sp>
+      <p:sp>
+        <p:nvSpPr>
+          <p:cNvPr id="4" name="Content Placeholder 3">
+            <a:extLst>
+              <a:ext uri="{FF2B5EF4-FFF2-40B4-BE49-F238E27FC236}">
+                <a16:creationId xmlns:a16="http://schemas.microsoft.com/office/drawing/2014/main" id="{5DE1A886-8CDB-E06A-86B8-726C438AAE08}"/>
+              </a:ext>
+            </a:extLst>
+          </p:cNvPr>
+          <p:cNvSpPr>
+            <a:spLocks noGrp="1"/>
+          </p:cNvSpPr>
+          <p:nvPr>
+            <p:ph sz="half" idx="2"/>
+          </p:nvPr>
+        </p:nvSpPr>
+        <p:spPr/>
+        <p:txBody>
+          <a:bodyPr/>
+          <a:lstStyle/>
+          <a:p>
+            <a:endParaRPr lang="en-GB"/>
+          </a:p>
+        </p:txBody>
+      </p:sp>
+    </p:spTree>
+    <p:extLst>
+      <p:ext uri="{BB962C8B-B14F-4D97-AF65-F5344CB8AC3E}">
+        <p14:creationId xmlns:p14="http://schemas.microsoft.com/office/powerpoint/2010/main" val="180424616"/>
+      </p:ext>
+    </p:extLst>
+  </p:cSld>
+  <p:clrMapOvr>
+    <a:masterClrMapping/>
+  </p:clrMapOvr>
+</p:sld>
+</file>
+
 <file path=ppt/theme/theme1.xml><?xml version="1.0" encoding="utf-8"?>
 <a:theme xmlns:a="http://schemas.openxmlformats.org/drawingml/2006/main" name="Crop">
   <a:themeElements>
-    <a:clrScheme name="Crop">
+    <a:clrScheme name="Custom 3">
       <a:dk1>
-        <a:sysClr val="windowText" lastClr="000000"/>
+        <a:srgbClr val="000000"/>
       </a:dk1>
       <a:lt1>
-        <a:sysClr val="window" lastClr="FFFFFF"/>
+        <a:srgbClr val="DEE6EF"/>
       </a:lt1>
       <a:dk2>
-        <a:srgbClr val="191B0E"/>
+        <a:srgbClr val="042449"/>
       </a:dk2>
       <a:lt2>
-        <a:srgbClr val="EFEDE3"/>
+        <a:srgbClr val="F6FFFB"/>
       </a:lt2>
       <a:accent1>
         <a:srgbClr val="8C8D86"/>
